--- a/MiniProject/miniproject_ppt.pptx
+++ b/MiniProject/miniproject_ppt.pptx
@@ -2731,71 +2731,71 @@
     </dgm:pt>
   </dgm:ptLst>
   <dgm:cxnLst>
-    <dgm:cxn modelId="{CA5272DA-A7EF-4809-8699-AC651024425C}" srcId="{5BE2C1FB-8097-4E2B-BD6A-F5C769F94C68}" destId="{94E981DB-229E-47D4-A4AE-F3B530B4AA02}" srcOrd="0" destOrd="0" parTransId="{D6BFB5A9-5B44-45AD-BF51-227DD81EE950}" sibTransId="{60C3846B-2568-4995-BAC4-B8F2D7FEDDDC}"/>
+    <dgm:cxn modelId="{115FF1E5-F98A-4261-B83E-66809F1CCC2B}" type="presOf" srcId="{94E981DB-229E-47D4-A4AE-F3B530B4AA02}" destId="{F875A333-32B2-4873-A24E-FCAD789D86B3}" srcOrd="0" destOrd="0" presId="urn:microsoft.com/office/officeart/2005/8/layout/hierarchy2"/>
+    <dgm:cxn modelId="{AF05ABFA-97B0-479F-9473-C952DFA5C0A2}" type="presOf" srcId="{9DAF19D7-5B3F-4EF4-8E3B-C4AA5FC1EF70}" destId="{5B0FBA1B-41EC-423A-87EF-BC556594D3EF}" srcOrd="0" destOrd="0" presId="urn:microsoft.com/office/officeart/2005/8/layout/hierarchy2"/>
+    <dgm:cxn modelId="{52F88195-7B8A-43DD-9809-DC4231D5DB26}" type="presOf" srcId="{43B50801-44D3-42F0-87B1-E9358162AD33}" destId="{52548338-37ED-4616-A3D5-5AA3AC98F62C}" srcOrd="0" destOrd="0" presId="urn:microsoft.com/office/officeart/2005/8/layout/hierarchy2"/>
+    <dgm:cxn modelId="{1BB97270-8749-49D1-9434-F5DBAA97FBC4}" srcId="{9C2B612F-FB09-488B-A3B7-B71DA3BE2ACB}" destId="{F4AC5F59-EB53-430B-9F77-3A814F29780F}" srcOrd="2" destOrd="0" parTransId="{EC15F3AE-7673-47CE-9FA3-41C5C62C0D63}" sibTransId="{591F369E-DA4E-405B-8221-6361A6D460DA}"/>
+    <dgm:cxn modelId="{F9F91614-DA9E-476B-A0A8-C41EFBEAC0D3}" srcId="{245AF52E-327D-4440-AE19-BFF65386AB99}" destId="{771FDDEC-DD4B-4C91-BC77-7705B79980FE}" srcOrd="0" destOrd="0" parTransId="{43B50801-44D3-42F0-87B1-E9358162AD33}" sibTransId="{BE853FAD-8466-4CA9-88FB-6131BA1B85C3}"/>
+    <dgm:cxn modelId="{4466D469-85DF-46F2-9DC3-FD717FE024AE}" type="presOf" srcId="{8D67FF85-84D5-4F17-8DEF-333D21E5BDB9}" destId="{385A4BE9-2D53-44F2-BD00-8AB7208563CF}" srcOrd="0" destOrd="0" presId="urn:microsoft.com/office/officeart/2005/8/layout/hierarchy2"/>
+    <dgm:cxn modelId="{90E709DE-5FDB-42E2-9851-7EB53B56F938}" srcId="{69ED8E60-12DC-41CA-A1E8-071E510822B8}" destId="{9771D909-D948-40E7-84FC-F98E653B8ABB}" srcOrd="0" destOrd="0" parTransId="{6637F8F6-F279-4D34-AD76-BF382E65D5B8}" sibTransId="{CCE1E85E-A688-4F39-91B7-0588FFFC2CD2}"/>
+    <dgm:cxn modelId="{0841BBA6-865B-489D-9ECC-16E86E5674ED}" type="presOf" srcId="{9DAF19D7-5B3F-4EF4-8E3B-C4AA5FC1EF70}" destId="{B1B7AEBC-B593-44CF-AC53-8F2927DDCB70}" srcOrd="1" destOrd="0" presId="urn:microsoft.com/office/officeart/2005/8/layout/hierarchy2"/>
+    <dgm:cxn modelId="{C589E642-A617-4FC7-BA92-997E8516E92A}" srcId="{9C2B612F-FB09-488B-A3B7-B71DA3BE2ACB}" destId="{69ED8E60-12DC-41CA-A1E8-071E510822B8}" srcOrd="4" destOrd="0" parTransId="{FE6FB922-4CB9-4621-8A99-9B7CC8009684}" sibTransId="{032A5399-83C7-48F5-8758-66ED515B1EF8}"/>
     <dgm:cxn modelId="{2073224C-B1F5-445E-A3A9-7F2F455C4393}" type="presOf" srcId="{E2817AE4-F135-41C7-9FF7-FB8849CA1ED8}" destId="{2F433497-B194-477E-B70B-F3D5FE7DCCD0}" srcOrd="0" destOrd="0" presId="urn:microsoft.com/office/officeart/2005/8/layout/hierarchy2"/>
+    <dgm:cxn modelId="{B3325B2F-180F-4526-9102-9CF354AA70F7}" type="presOf" srcId="{CB7D9E49-CCDB-4CF1-A9E4-826EB041FC6E}" destId="{745BCB43-4AA6-47AA-AE92-CEB8B58C963C}" srcOrd="1" destOrd="0" presId="urn:microsoft.com/office/officeart/2005/8/layout/hierarchy2"/>
+    <dgm:cxn modelId="{2EA6FED5-00C2-4FFA-98FB-C74955F8E0A5}" type="presOf" srcId="{DBC10BFB-05D6-461F-8C08-A9557472DF60}" destId="{A79591BB-C657-43EE-954D-484DDC516C5B}" srcOrd="0" destOrd="0" presId="urn:microsoft.com/office/officeart/2005/8/layout/hierarchy2"/>
     <dgm:cxn modelId="{167F1952-B44C-4340-9EEE-04BC5F57DE39}" type="presOf" srcId="{E0732633-28D4-4B5D-B7B0-1EE68D9765BF}" destId="{1561B85A-4E78-43D2-95E5-86EA4C6C8B97}" srcOrd="0" destOrd="0" presId="urn:microsoft.com/office/officeart/2005/8/layout/hierarchy2"/>
-    <dgm:cxn modelId="{0841BBA6-865B-489D-9ECC-16E86E5674ED}" type="presOf" srcId="{9DAF19D7-5B3F-4EF4-8E3B-C4AA5FC1EF70}" destId="{B1B7AEBC-B593-44CF-AC53-8F2927DDCB70}" srcOrd="1" destOrd="0" presId="urn:microsoft.com/office/officeart/2005/8/layout/hierarchy2"/>
     <dgm:cxn modelId="{681A18ED-5112-473A-932D-934BC3DBC4A3}" srcId="{F4AC5F59-EB53-430B-9F77-3A814F29780F}" destId="{5BE2C1FB-8097-4E2B-BD6A-F5C769F94C68}" srcOrd="0" destOrd="0" parTransId="{7A823E35-7131-4D2B-B04C-15EDA22B1637}" sibTransId="{B8B03140-F73D-4B1F-8EF5-42EDCE869907}"/>
-    <dgm:cxn modelId="{A0A463CD-A2D5-4AEE-B61E-4DF47F593A11}" type="presOf" srcId="{44D98EDB-D784-48E0-9ECC-E9EC1037C1FA}" destId="{7B1ED7AD-5691-45B8-9B15-42D83FD42966}" srcOrd="0" destOrd="0" presId="urn:microsoft.com/office/officeart/2005/8/layout/hierarchy2"/>
-    <dgm:cxn modelId="{64545BE2-F417-4494-928D-E43B6D9C8F5C}" srcId="{9C2B612F-FB09-488B-A3B7-B71DA3BE2ACB}" destId="{245AF52E-327D-4440-AE19-BFF65386AB99}" srcOrd="3" destOrd="0" parTransId="{08FBA928-62F5-4410-9354-29BF98BADE0B}" sibTransId="{7ED6D917-A0D7-4A98-8E1B-98E3DD5AC05A}"/>
-    <dgm:cxn modelId="{506BFDC0-A14F-4781-8E6F-62450A9E4D37}" type="presOf" srcId="{274FE10C-418E-4E80-8EE1-334B6023CEC4}" destId="{E1AA744E-6CE3-46D0-A16D-EF258C172952}" srcOrd="1" destOrd="0" presId="urn:microsoft.com/office/officeart/2005/8/layout/hierarchy2"/>
+    <dgm:cxn modelId="{69CA372C-96DF-42A0-AD38-3795D3DC8BB2}" srcId="{69ED8E60-12DC-41CA-A1E8-071E510822B8}" destId="{97A51A2F-3450-46B1-94CB-FA5631D75A26}" srcOrd="1" destOrd="0" parTransId="{E2817AE4-F135-41C7-9FF7-FB8849CA1ED8}" sibTransId="{52D0C736-6B95-4DA6-BE96-4910F5011152}"/>
+    <dgm:cxn modelId="{39CF60DF-66D6-4C67-A6E5-FFEBBE83591C}" type="presOf" srcId="{EC15F3AE-7673-47CE-9FA3-41C5C62C0D63}" destId="{A254ECCA-D563-4A55-97CA-F68A4C0BE8CE}" srcOrd="1" destOrd="0" presId="urn:microsoft.com/office/officeart/2005/8/layout/hierarchy2"/>
+    <dgm:cxn modelId="{A48C9315-CE44-476F-9FB0-DF022B4FE82F}" type="presOf" srcId="{ED6EE5FA-7874-4762-82FD-B093244841A0}" destId="{A733B547-89FD-41FE-A124-98A9CE933594}" srcOrd="0" destOrd="0" presId="urn:microsoft.com/office/officeart/2005/8/layout/hierarchy2"/>
+    <dgm:cxn modelId="{C8D02DA7-1DD8-4636-8D14-FA475F1F756F}" type="presOf" srcId="{28F04FBC-36E6-416D-9ACD-D86C394A82D3}" destId="{E289F1E2-D2E8-4D99-AF3E-37DF65B97743}" srcOrd="0" destOrd="0" presId="urn:microsoft.com/office/officeart/2005/8/layout/hierarchy2"/>
+    <dgm:cxn modelId="{32548DF3-C377-48EF-BC98-7B0A3E03D9D0}" type="presOf" srcId="{9C2B612F-FB09-488B-A3B7-B71DA3BE2ACB}" destId="{C67AD8EE-9E93-43D8-A3FA-C7F050E1A44C}" srcOrd="0" destOrd="0" presId="urn:microsoft.com/office/officeart/2005/8/layout/hierarchy2"/>
+    <dgm:cxn modelId="{F3C958E6-220D-49E9-9CF4-E6DE8936B129}" type="presOf" srcId="{E0732633-28D4-4B5D-B7B0-1EE68D9765BF}" destId="{8E27DA8B-5591-450D-8938-5FD1573421C6}" srcOrd="1" destOrd="0" presId="urn:microsoft.com/office/officeart/2005/8/layout/hierarchy2"/>
+    <dgm:cxn modelId="{F67E9626-61D4-4094-8942-B9216844E29E}" type="presOf" srcId="{69ED8E60-12DC-41CA-A1E8-071E510822B8}" destId="{850739E6-3FA0-4497-953D-D8471B07A948}" srcOrd="0" destOrd="0" presId="urn:microsoft.com/office/officeart/2005/8/layout/hierarchy2"/>
+    <dgm:cxn modelId="{3B82CD05-DA51-4E9E-9F78-C3221F13B035}" type="presOf" srcId="{EC15F3AE-7673-47CE-9FA3-41C5C62C0D63}" destId="{8D0A0B68-D673-465C-8767-A05FFF60C1D8}" srcOrd="0" destOrd="0" presId="urn:microsoft.com/office/officeart/2005/8/layout/hierarchy2"/>
+    <dgm:cxn modelId="{E31E2F5A-A5A7-4022-8911-58978801A54F}" srcId="{E14F93EE-2A22-4ED5-A73A-354C89B1737E}" destId="{FD9C0AF7-99AC-48F6-8594-EE2486B4857F}" srcOrd="0" destOrd="0" parTransId="{ED6EE5FA-7874-4762-82FD-B093244841A0}" sibTransId="{F1D841ED-0F56-4C9E-8D0B-A75E0FA6B6C1}"/>
+    <dgm:cxn modelId="{22F38378-D08C-4A27-946A-7D1B837CE563}" type="presOf" srcId="{6637F8F6-F279-4D34-AD76-BF382E65D5B8}" destId="{915B8B8F-EB52-48DB-99C1-D838D7F93D6E}" srcOrd="0" destOrd="0" presId="urn:microsoft.com/office/officeart/2005/8/layout/hierarchy2"/>
+    <dgm:cxn modelId="{CD6A3E7B-71D9-4249-9A2E-E7714323B116}" type="presOf" srcId="{CF3E57F3-0CE4-4FD5-8722-3B20AE05EF0D}" destId="{C165DD81-E3B3-4154-85E7-33F2AEF95BC1}" srcOrd="0" destOrd="0" presId="urn:microsoft.com/office/officeart/2005/8/layout/hierarchy2"/>
+    <dgm:cxn modelId="{3EE636F7-6086-4060-8541-FDD7496EAF73}" srcId="{97A51A2F-3450-46B1-94CB-FA5631D75A26}" destId="{28F04FBC-36E6-416D-9ACD-D86C394A82D3}" srcOrd="0" destOrd="0" parTransId="{511B9211-7CF7-40A5-B24D-0330CFA8451C}" sibTransId="{B5F70259-D447-464D-994C-90DB0D5F7FF1}"/>
+    <dgm:cxn modelId="{96BDD104-3C6E-4F22-B01F-80DAA31FC526}" type="presOf" srcId="{274FE10C-418E-4E80-8EE1-334B6023CEC4}" destId="{EF86E2B3-2B08-4F4B-A58D-15E661C861B2}" srcOrd="0" destOrd="0" presId="urn:microsoft.com/office/officeart/2005/8/layout/hierarchy2"/>
+    <dgm:cxn modelId="{89BFC673-DCF7-4D03-997B-44306B6199F5}" type="presOf" srcId="{DBC10BFB-05D6-461F-8C08-A9557472DF60}" destId="{4F5D9800-53D7-4B75-962E-938F279A587B}" srcOrd="1" destOrd="0" presId="urn:microsoft.com/office/officeart/2005/8/layout/hierarchy2"/>
+    <dgm:cxn modelId="{52AAF325-6A36-446D-AE94-673E264295B7}" type="presOf" srcId="{E2817AE4-F135-41C7-9FF7-FB8849CA1ED8}" destId="{D1C632ED-3C02-43A7-A28D-D6795C1C3D0A}" srcOrd="1" destOrd="0" presId="urn:microsoft.com/office/officeart/2005/8/layout/hierarchy2"/>
+    <dgm:cxn modelId="{E0037D9B-DE38-49B8-A257-3A435D1B9A03}" srcId="{8D67FF85-84D5-4F17-8DEF-333D21E5BDB9}" destId="{44D98EDB-D784-48E0-9ECC-E9EC1037C1FA}" srcOrd="0" destOrd="0" parTransId="{DD49092B-87DB-4779-8307-18CAD2EE8FDB}" sibTransId="{A69E496F-AC45-4006-8457-A9B4094D3DA6}"/>
+    <dgm:cxn modelId="{3FC77C9D-2032-4814-8B92-81BF2CABDDC0}" type="presOf" srcId="{D6BFB5A9-5B44-45AD-BF51-227DD81EE950}" destId="{E8E3299E-79C0-4468-90F3-00065A37A0FB}" srcOrd="0" destOrd="0" presId="urn:microsoft.com/office/officeart/2005/8/layout/hierarchy2"/>
+    <dgm:cxn modelId="{C22C138C-3611-40B2-8DEC-6BB5BC3DEDE7}" type="presOf" srcId="{D7D21A25-7E79-4262-8F3C-A97FE746E912}" destId="{735AD554-AC77-41C4-8186-711235CC2140}" srcOrd="0" destOrd="0" presId="urn:microsoft.com/office/officeart/2005/8/layout/hierarchy2"/>
+    <dgm:cxn modelId="{8E837A48-1A08-4567-A34D-E73586E9F8E0}" type="presOf" srcId="{9771D909-D948-40E7-84FC-F98E653B8ABB}" destId="{1569AD5E-BC5C-4C51-A9F5-51D20FE31065}" srcOrd="0" destOrd="0" presId="urn:microsoft.com/office/officeart/2005/8/layout/hierarchy2"/>
+    <dgm:cxn modelId="{4270324A-71F3-4A01-B3E9-2834AB5655C5}" type="presOf" srcId="{5BE2C1FB-8097-4E2B-BD6A-F5C769F94C68}" destId="{38683E67-122C-4E49-BD71-6C4512EA21FC}" srcOrd="0" destOrd="0" presId="urn:microsoft.com/office/officeart/2005/8/layout/hierarchy2"/>
     <dgm:cxn modelId="{392AEE20-CAB4-43EA-9C62-42E5015E791A}" type="presOf" srcId="{FE6FB922-4CB9-4621-8A99-9B7CC8009684}" destId="{4BA58039-734F-4C42-9A25-C87D959AC5E2}" srcOrd="0" destOrd="0" presId="urn:microsoft.com/office/officeart/2005/8/layout/hierarchy2"/>
-    <dgm:cxn modelId="{2EA6FED5-00C2-4FFA-98FB-C74955F8E0A5}" type="presOf" srcId="{DBC10BFB-05D6-461F-8C08-A9557472DF60}" destId="{A79591BB-C657-43EE-954D-484DDC516C5B}" srcOrd="0" destOrd="0" presId="urn:microsoft.com/office/officeart/2005/8/layout/hierarchy2"/>
+    <dgm:cxn modelId="{7EB029E2-DAE1-437D-8BE2-F2739A4E872B}" type="presOf" srcId="{43B50801-44D3-42F0-87B1-E9358162AD33}" destId="{85D763CC-22C3-4148-AED8-0D137859F749}" srcOrd="1" destOrd="0" presId="urn:microsoft.com/office/officeart/2005/8/layout/hierarchy2"/>
     <dgm:cxn modelId="{A209B5C8-8EF9-4FC6-9DCE-566C91FA7042}" type="presOf" srcId="{08FBA928-62F5-4410-9354-29BF98BADE0B}" destId="{6E307A4D-1396-45CC-84CC-09148E95CB8F}" srcOrd="0" destOrd="0" presId="urn:microsoft.com/office/officeart/2005/8/layout/hierarchy2"/>
-    <dgm:cxn modelId="{5668FE36-547A-4587-A809-B97426C05728}" srcId="{9C2B612F-FB09-488B-A3B7-B71DA3BE2ACB}" destId="{E14F93EE-2A22-4ED5-A73A-354C89B1737E}" srcOrd="1" destOrd="0" parTransId="{DBC10BFB-05D6-461F-8C08-A9557472DF60}" sibTransId="{760F0364-9349-4492-90AE-FF02EB1F6DBE}"/>
+    <dgm:cxn modelId="{717F7A8E-D0CE-46AF-AE87-5701337EE466}" type="presOf" srcId="{FE6FB922-4CB9-4621-8A99-9B7CC8009684}" destId="{B71C26CF-417C-4636-964E-0A0BF36F8494}" srcOrd="1" destOrd="0" presId="urn:microsoft.com/office/officeart/2005/8/layout/hierarchy2"/>
+    <dgm:cxn modelId="{A6C243F2-F94E-45F3-9C9A-BE77D1D2FBD0}" type="presOf" srcId="{771FDDEC-DD4B-4C91-BC77-7705B79980FE}" destId="{C3B55739-5D79-467F-B92C-38ECBDDBAB31}" srcOrd="0" destOrd="0" presId="urn:microsoft.com/office/officeart/2005/8/layout/hierarchy2"/>
+    <dgm:cxn modelId="{B489705A-1DBF-42EE-83F1-3EC7E3D3CD9B}" type="presOf" srcId="{F4AC5F59-EB53-430B-9F77-3A814F29780F}" destId="{597B3098-5A0B-45BE-9F4E-4CC56BD52CF6}" srcOrd="0" destOrd="0" presId="urn:microsoft.com/office/officeart/2005/8/layout/hierarchy2"/>
     <dgm:cxn modelId="{8F3CCD43-0032-4F20-B335-45CAB3E3C372}" type="presOf" srcId="{FD9C0AF7-99AC-48F6-8594-EE2486B4857F}" destId="{2F843070-F77D-4645-9A51-3F261E1F8C5E}" srcOrd="0" destOrd="0" presId="urn:microsoft.com/office/officeart/2005/8/layout/hierarchy2"/>
     <dgm:cxn modelId="{7D73B967-B3F0-4787-873B-B3C5092C30E0}" type="presOf" srcId="{97A51A2F-3450-46B1-94CB-FA5631D75A26}" destId="{75DA4F95-F56D-43FB-AA4E-1A2F4E5F69DE}" srcOrd="0" destOrd="0" presId="urn:microsoft.com/office/officeart/2005/8/layout/hierarchy2"/>
+    <dgm:cxn modelId="{B6D9DA12-80A1-4894-83FF-5451A0E3CE25}" type="presOf" srcId="{7A823E35-7131-4D2B-B04C-15EDA22B1637}" destId="{4A9A711B-9B93-44A1-9CEF-D106E7E5E770}" srcOrd="1" destOrd="0" presId="urn:microsoft.com/office/officeart/2005/8/layout/hierarchy2"/>
+    <dgm:cxn modelId="{BBFF1C79-6A4E-42E6-970A-2B772689471A}" type="presOf" srcId="{ED6EE5FA-7874-4762-82FD-B093244841A0}" destId="{D2489D06-C195-49BD-B9F1-C04836B08E8B}" srcOrd="1" destOrd="0" presId="urn:microsoft.com/office/officeart/2005/8/layout/hierarchy2"/>
+    <dgm:cxn modelId="{CA5272DA-A7EF-4809-8699-AC651024425C}" srcId="{5BE2C1FB-8097-4E2B-BD6A-F5C769F94C68}" destId="{94E981DB-229E-47D4-A4AE-F3B530B4AA02}" srcOrd="0" destOrd="0" parTransId="{D6BFB5A9-5B44-45AD-BF51-227DD81EE950}" sibTransId="{60C3846B-2568-4995-BAC4-B8F2D7FEDDDC}"/>
+    <dgm:cxn modelId="{C27C4405-5CD0-4B1B-8B16-65DA058DF0FF}" srcId="{8D67FF85-84D5-4F17-8DEF-333D21E5BDB9}" destId="{09B7E0E2-207F-4F95-830C-0B7D578BC6C6}" srcOrd="1" destOrd="0" parTransId="{653F36C5-0F7A-4083-88F2-58BA86CA75F8}" sibTransId="{37200C5A-6E92-4A34-935F-2E9C0FE983CA}"/>
+    <dgm:cxn modelId="{4AF2F659-1332-4A40-9E80-86C1A51893C3}" type="presOf" srcId="{511B9211-7CF7-40A5-B24D-0330CFA8451C}" destId="{3F734632-E570-4841-87A7-A024DA12C857}" srcOrd="1" destOrd="0" presId="urn:microsoft.com/office/officeart/2005/8/layout/hierarchy2"/>
+    <dgm:cxn modelId="{9490686E-0565-4953-8B87-51C961DE9A2B}" srcId="{9C2B612F-FB09-488B-A3B7-B71DA3BE2ACB}" destId="{CF3E57F3-0CE4-4FD5-8722-3B20AE05EF0D}" srcOrd="0" destOrd="0" parTransId="{CB7D9E49-CCDB-4CF1-A9E4-826EB041FC6E}" sibTransId="{96CBE152-2AA3-4CE1-9615-87B679AF441A}"/>
+    <dgm:cxn modelId="{A67D5649-CBCE-42B4-84DB-BD4B0F4E2AC8}" srcId="{97A51A2F-3450-46B1-94CB-FA5631D75A26}" destId="{D7D21A25-7E79-4262-8F3C-A97FE746E912}" srcOrd="1" destOrd="0" parTransId="{E0732633-28D4-4B5D-B7B0-1EE68D9765BF}" sibTransId="{70C99901-D494-4CD3-AF94-8C6BAB85432F}"/>
+    <dgm:cxn modelId="{2A56A54E-2FEE-4292-897A-5CB5CBAF6DC8}" type="presOf" srcId="{6637F8F6-F279-4D34-AD76-BF382E65D5B8}" destId="{19DFE4A3-5323-42A8-A756-3A4548571F72}" srcOrd="1" destOrd="0" presId="urn:microsoft.com/office/officeart/2005/8/layout/hierarchy2"/>
+    <dgm:cxn modelId="{E8F53FA7-D825-428D-8553-42B6FEE77AC0}" type="presOf" srcId="{511B9211-7CF7-40A5-B24D-0330CFA8451C}" destId="{A925ABAB-5551-4276-B4F5-FB0518433BD1}" srcOrd="0" destOrd="0" presId="urn:microsoft.com/office/officeart/2005/8/layout/hierarchy2"/>
+    <dgm:cxn modelId="{ADAE8BBF-309C-4A00-A6F3-0C74FA1927F8}" type="presOf" srcId="{09B7E0E2-207F-4F95-830C-0B7D578BC6C6}" destId="{B40567CF-DB1C-42C4-8AC8-8093E261B247}" srcOrd="0" destOrd="0" presId="urn:microsoft.com/office/officeart/2005/8/layout/hierarchy2"/>
+    <dgm:cxn modelId="{937D2F9F-112A-4788-B282-E78981A03DA5}" type="presOf" srcId="{245AF52E-327D-4440-AE19-BFF65386AB99}" destId="{330AE5EF-3981-4FCC-816F-5338F5C321C7}" srcOrd="0" destOrd="0" presId="urn:microsoft.com/office/officeart/2005/8/layout/hierarchy2"/>
+    <dgm:cxn modelId="{81DD16B7-2242-4A0F-A4D3-EED52E8A2328}" type="presOf" srcId="{08FBA928-62F5-4410-9354-29BF98BADE0B}" destId="{E7885695-54C1-49A9-8B54-9383BFBD7CE8}" srcOrd="1" destOrd="0" presId="urn:microsoft.com/office/officeart/2005/8/layout/hierarchy2"/>
+    <dgm:cxn modelId="{D41F847D-FADD-45BC-992C-1E336A5AA9DC}" type="presOf" srcId="{E14F93EE-2A22-4ED5-A73A-354C89B1737E}" destId="{6AAE5668-5B54-4E30-BB36-4D4082658FCE}" srcOrd="0" destOrd="0" presId="urn:microsoft.com/office/officeart/2005/8/layout/hierarchy2"/>
     <dgm:cxn modelId="{EECB84D3-3042-4931-A610-19073C3D4A46}" srcId="{FD9C0AF7-99AC-48F6-8594-EE2486B4857F}" destId="{F59CEC0A-3DC7-43CF-A544-AA02B337ADA5}" srcOrd="0" destOrd="0" parTransId="{9DAF19D7-5B3F-4EF4-8E3B-C4AA5FC1EF70}" sibTransId="{8C7A9FD5-0EC1-4BE7-846B-795623AC430F}"/>
-    <dgm:cxn modelId="{90E709DE-5FDB-42E2-9851-7EB53B56F938}" srcId="{69ED8E60-12DC-41CA-A1E8-071E510822B8}" destId="{9771D909-D948-40E7-84FC-F98E653B8ABB}" srcOrd="0" destOrd="0" parTransId="{6637F8F6-F279-4D34-AD76-BF382E65D5B8}" sibTransId="{CCE1E85E-A688-4F39-91B7-0588FFFC2CD2}"/>
-    <dgm:cxn modelId="{717F7A8E-D0CE-46AF-AE87-5701337EE466}" type="presOf" srcId="{FE6FB922-4CB9-4621-8A99-9B7CC8009684}" destId="{B71C26CF-417C-4636-964E-0A0BF36F8494}" srcOrd="1" destOrd="0" presId="urn:microsoft.com/office/officeart/2005/8/layout/hierarchy2"/>
-    <dgm:cxn modelId="{4270324A-71F3-4A01-B3E9-2834AB5655C5}" type="presOf" srcId="{5BE2C1FB-8097-4E2B-BD6A-F5C769F94C68}" destId="{38683E67-122C-4E49-BD71-6C4512EA21FC}" srcOrd="0" destOrd="0" presId="urn:microsoft.com/office/officeart/2005/8/layout/hierarchy2"/>
-    <dgm:cxn modelId="{F67E9626-61D4-4094-8942-B9216844E29E}" type="presOf" srcId="{69ED8E60-12DC-41CA-A1E8-071E510822B8}" destId="{850739E6-3FA0-4497-953D-D8471B07A948}" srcOrd="0" destOrd="0" presId="urn:microsoft.com/office/officeart/2005/8/layout/hierarchy2"/>
-    <dgm:cxn modelId="{C22C138C-3611-40B2-8DEC-6BB5BC3DEDE7}" type="presOf" srcId="{D7D21A25-7E79-4262-8F3C-A97FE746E912}" destId="{735AD554-AC77-41C4-8186-711235CC2140}" srcOrd="0" destOrd="0" presId="urn:microsoft.com/office/officeart/2005/8/layout/hierarchy2"/>
-    <dgm:cxn modelId="{4AF2F659-1332-4A40-9E80-86C1A51893C3}" type="presOf" srcId="{511B9211-7CF7-40A5-B24D-0330CFA8451C}" destId="{3F734632-E570-4841-87A7-A024DA12C857}" srcOrd="1" destOrd="0" presId="urn:microsoft.com/office/officeart/2005/8/layout/hierarchy2"/>
-    <dgm:cxn modelId="{39CF60DF-66D6-4C67-A6E5-FFEBBE83591C}" type="presOf" srcId="{EC15F3AE-7673-47CE-9FA3-41C5C62C0D63}" destId="{A254ECCA-D563-4A55-97CA-F68A4C0BE8CE}" srcOrd="1" destOrd="0" presId="urn:microsoft.com/office/officeart/2005/8/layout/hierarchy2"/>
-    <dgm:cxn modelId="{69CA372C-96DF-42A0-AD38-3795D3DC8BB2}" srcId="{69ED8E60-12DC-41CA-A1E8-071E510822B8}" destId="{97A51A2F-3450-46B1-94CB-FA5631D75A26}" srcOrd="1" destOrd="0" parTransId="{E2817AE4-F135-41C7-9FF7-FB8849CA1ED8}" sibTransId="{52D0C736-6B95-4DA6-BE96-4910F5011152}"/>
-    <dgm:cxn modelId="{CD6A3E7B-71D9-4249-9A2E-E7714323B116}" type="presOf" srcId="{CF3E57F3-0CE4-4FD5-8722-3B20AE05EF0D}" destId="{C165DD81-E3B3-4154-85E7-33F2AEF95BC1}" srcOrd="0" destOrd="0" presId="urn:microsoft.com/office/officeart/2005/8/layout/hierarchy2"/>
-    <dgm:cxn modelId="{2A56A54E-2FEE-4292-897A-5CB5CBAF6DC8}" type="presOf" srcId="{6637F8F6-F279-4D34-AD76-BF382E65D5B8}" destId="{19DFE4A3-5323-42A8-A756-3A4548571F72}" srcOrd="1" destOrd="0" presId="urn:microsoft.com/office/officeart/2005/8/layout/hierarchy2"/>
-    <dgm:cxn modelId="{ADAE8BBF-309C-4A00-A6F3-0C74FA1927F8}" type="presOf" srcId="{09B7E0E2-207F-4F95-830C-0B7D578BC6C6}" destId="{B40567CF-DB1C-42C4-8AC8-8093E261B247}" srcOrd="0" destOrd="0" presId="urn:microsoft.com/office/officeart/2005/8/layout/hierarchy2"/>
-    <dgm:cxn modelId="{81DD16B7-2242-4A0F-A4D3-EED52E8A2328}" type="presOf" srcId="{08FBA928-62F5-4410-9354-29BF98BADE0B}" destId="{E7885695-54C1-49A9-8B54-9383BFBD7CE8}" srcOrd="1" destOrd="0" presId="urn:microsoft.com/office/officeart/2005/8/layout/hierarchy2"/>
+    <dgm:cxn modelId="{506BFDC0-A14F-4781-8E6F-62450A9E4D37}" type="presOf" srcId="{274FE10C-418E-4E80-8EE1-334B6023CEC4}" destId="{E1AA744E-6CE3-46D0-A16D-EF258C172952}" srcOrd="1" destOrd="0" presId="urn:microsoft.com/office/officeart/2005/8/layout/hierarchy2"/>
+    <dgm:cxn modelId="{8B108328-980E-4A4A-81C6-D0A64812A992}" type="presOf" srcId="{F59CEC0A-3DC7-43CF-A544-AA02B337ADA5}" destId="{EA61CE70-98E8-4DDF-88FA-268FA2D4C312}" srcOrd="0" destOrd="0" presId="urn:microsoft.com/office/officeart/2005/8/layout/hierarchy2"/>
+    <dgm:cxn modelId="{A0A463CD-A2D5-4AEE-B61E-4DF47F593A11}" type="presOf" srcId="{44D98EDB-D784-48E0-9ECC-E9EC1037C1FA}" destId="{7B1ED7AD-5691-45B8-9B15-42D83FD42966}" srcOrd="0" destOrd="0" presId="urn:microsoft.com/office/officeart/2005/8/layout/hierarchy2"/>
+    <dgm:cxn modelId="{7558D7E4-3991-41C3-ABE9-CC1C7875BA16}" type="presOf" srcId="{7A823E35-7131-4D2B-B04C-15EDA22B1637}" destId="{DDCCEBB5-C8E8-4433-9FD7-E8C381258383}" srcOrd="0" destOrd="0" presId="urn:microsoft.com/office/officeart/2005/8/layout/hierarchy2"/>
     <dgm:cxn modelId="{CCAA6992-59A0-45C9-A353-C74B54B999BF}" type="presOf" srcId="{CB7D9E49-CCDB-4CF1-A9E4-826EB041FC6E}" destId="{421CC602-5830-40D8-84D8-7271DDA92E5F}" srcOrd="0" destOrd="0" presId="urn:microsoft.com/office/officeart/2005/8/layout/hierarchy2"/>
-    <dgm:cxn modelId="{C27C4405-5CD0-4B1B-8B16-65DA058DF0FF}" srcId="{8D67FF85-84D5-4F17-8DEF-333D21E5BDB9}" destId="{09B7E0E2-207F-4F95-830C-0B7D578BC6C6}" srcOrd="1" destOrd="0" parTransId="{653F36C5-0F7A-4083-88F2-58BA86CA75F8}" sibTransId="{37200C5A-6E92-4A34-935F-2E9C0FE983CA}"/>
-    <dgm:cxn modelId="{C589E642-A617-4FC7-BA92-997E8516E92A}" srcId="{9C2B612F-FB09-488B-A3B7-B71DA3BE2ACB}" destId="{69ED8E60-12DC-41CA-A1E8-071E510822B8}" srcOrd="4" destOrd="0" parTransId="{FE6FB922-4CB9-4621-8A99-9B7CC8009684}" sibTransId="{032A5399-83C7-48F5-8758-66ED515B1EF8}"/>
-    <dgm:cxn modelId="{115FF1E5-F98A-4261-B83E-66809F1CCC2B}" type="presOf" srcId="{94E981DB-229E-47D4-A4AE-F3B530B4AA02}" destId="{F875A333-32B2-4873-A24E-FCAD789D86B3}" srcOrd="0" destOrd="0" presId="urn:microsoft.com/office/officeart/2005/8/layout/hierarchy2"/>
-    <dgm:cxn modelId="{32548DF3-C377-48EF-BC98-7B0A3E03D9D0}" type="presOf" srcId="{9C2B612F-FB09-488B-A3B7-B71DA3BE2ACB}" destId="{C67AD8EE-9E93-43D8-A3FA-C7F050E1A44C}" srcOrd="0" destOrd="0" presId="urn:microsoft.com/office/officeart/2005/8/layout/hierarchy2"/>
-    <dgm:cxn modelId="{F3C958E6-220D-49E9-9CF4-E6DE8936B129}" type="presOf" srcId="{E0732633-28D4-4B5D-B7B0-1EE68D9765BF}" destId="{8E27DA8B-5591-450D-8938-5FD1573421C6}" srcOrd="1" destOrd="0" presId="urn:microsoft.com/office/officeart/2005/8/layout/hierarchy2"/>
     <dgm:cxn modelId="{BDF1CA43-E94D-40BA-AF73-C771D848AAA4}" srcId="{09B7E0E2-207F-4F95-830C-0B7D578BC6C6}" destId="{9C2B612F-FB09-488B-A3B7-B71DA3BE2ACB}" srcOrd="0" destOrd="0" parTransId="{274FE10C-418E-4E80-8EE1-334B6023CEC4}" sibTransId="{A327B9C0-1DFA-47BA-8E36-0C0EB8AC3404}"/>
-    <dgm:cxn modelId="{3B82CD05-DA51-4E9E-9F78-C3221F13B035}" type="presOf" srcId="{EC15F3AE-7673-47CE-9FA3-41C5C62C0D63}" destId="{8D0A0B68-D673-465C-8767-A05FFF60C1D8}" srcOrd="0" destOrd="0" presId="urn:microsoft.com/office/officeart/2005/8/layout/hierarchy2"/>
-    <dgm:cxn modelId="{B3325B2F-180F-4526-9102-9CF354AA70F7}" type="presOf" srcId="{CB7D9E49-CCDB-4CF1-A9E4-826EB041FC6E}" destId="{745BCB43-4AA6-47AA-AE92-CEB8B58C963C}" srcOrd="1" destOrd="0" presId="urn:microsoft.com/office/officeart/2005/8/layout/hierarchy2"/>
-    <dgm:cxn modelId="{D41F847D-FADD-45BC-992C-1E336A5AA9DC}" type="presOf" srcId="{E14F93EE-2A22-4ED5-A73A-354C89B1737E}" destId="{6AAE5668-5B54-4E30-BB36-4D4082658FCE}" srcOrd="0" destOrd="0" presId="urn:microsoft.com/office/officeart/2005/8/layout/hierarchy2"/>
-    <dgm:cxn modelId="{C8D02DA7-1DD8-4636-8D14-FA475F1F756F}" type="presOf" srcId="{28F04FBC-36E6-416D-9ACD-D86C394A82D3}" destId="{E289F1E2-D2E8-4D99-AF3E-37DF65B97743}" srcOrd="0" destOrd="0" presId="urn:microsoft.com/office/officeart/2005/8/layout/hierarchy2"/>
-    <dgm:cxn modelId="{A48C9315-CE44-476F-9FB0-DF022B4FE82F}" type="presOf" srcId="{ED6EE5FA-7874-4762-82FD-B093244841A0}" destId="{A733B547-89FD-41FE-A124-98A9CE933594}" srcOrd="0" destOrd="0" presId="urn:microsoft.com/office/officeart/2005/8/layout/hierarchy2"/>
-    <dgm:cxn modelId="{3EE636F7-6086-4060-8541-FDD7496EAF73}" srcId="{97A51A2F-3450-46B1-94CB-FA5631D75A26}" destId="{28F04FBC-36E6-416D-9ACD-D86C394A82D3}" srcOrd="0" destOrd="0" parTransId="{511B9211-7CF7-40A5-B24D-0330CFA8451C}" sibTransId="{B5F70259-D447-464D-994C-90DB0D5F7FF1}"/>
-    <dgm:cxn modelId="{937D2F9F-112A-4788-B282-E78981A03DA5}" type="presOf" srcId="{245AF52E-327D-4440-AE19-BFF65386AB99}" destId="{330AE5EF-3981-4FCC-816F-5338F5C321C7}" srcOrd="0" destOrd="0" presId="urn:microsoft.com/office/officeart/2005/8/layout/hierarchy2"/>
-    <dgm:cxn modelId="{F9F91614-DA9E-476B-A0A8-C41EFBEAC0D3}" srcId="{245AF52E-327D-4440-AE19-BFF65386AB99}" destId="{771FDDEC-DD4B-4C91-BC77-7705B79980FE}" srcOrd="0" destOrd="0" parTransId="{43B50801-44D3-42F0-87B1-E9358162AD33}" sibTransId="{BE853FAD-8466-4CA9-88FB-6131BA1B85C3}"/>
-    <dgm:cxn modelId="{22F38378-D08C-4A27-946A-7D1B837CE563}" type="presOf" srcId="{6637F8F6-F279-4D34-AD76-BF382E65D5B8}" destId="{915B8B8F-EB52-48DB-99C1-D838D7F93D6E}" srcOrd="0" destOrd="0" presId="urn:microsoft.com/office/officeart/2005/8/layout/hierarchy2"/>
-    <dgm:cxn modelId="{52AAF325-6A36-446D-AE94-673E264295B7}" type="presOf" srcId="{E2817AE4-F135-41C7-9FF7-FB8849CA1ED8}" destId="{D1C632ED-3C02-43A7-A28D-D6795C1C3D0A}" srcOrd="1" destOrd="0" presId="urn:microsoft.com/office/officeart/2005/8/layout/hierarchy2"/>
-    <dgm:cxn modelId="{E31E2F5A-A5A7-4022-8911-58978801A54F}" srcId="{E14F93EE-2A22-4ED5-A73A-354C89B1737E}" destId="{FD9C0AF7-99AC-48F6-8594-EE2486B4857F}" srcOrd="0" destOrd="0" parTransId="{ED6EE5FA-7874-4762-82FD-B093244841A0}" sibTransId="{F1D841ED-0F56-4C9E-8D0B-A75E0FA6B6C1}"/>
-    <dgm:cxn modelId="{9490686E-0565-4953-8B87-51C961DE9A2B}" srcId="{9C2B612F-FB09-488B-A3B7-B71DA3BE2ACB}" destId="{CF3E57F3-0CE4-4FD5-8722-3B20AE05EF0D}" srcOrd="0" destOrd="0" parTransId="{CB7D9E49-CCDB-4CF1-A9E4-826EB041FC6E}" sibTransId="{96CBE152-2AA3-4CE1-9615-87B679AF441A}"/>
-    <dgm:cxn modelId="{96BDD104-3C6E-4F22-B01F-80DAA31FC526}" type="presOf" srcId="{274FE10C-418E-4E80-8EE1-334B6023CEC4}" destId="{EF86E2B3-2B08-4F4B-A58D-15E661C861B2}" srcOrd="0" destOrd="0" presId="urn:microsoft.com/office/officeart/2005/8/layout/hierarchy2"/>
-    <dgm:cxn modelId="{AF05ABFA-97B0-479F-9473-C952DFA5C0A2}" type="presOf" srcId="{9DAF19D7-5B3F-4EF4-8E3B-C4AA5FC1EF70}" destId="{5B0FBA1B-41EC-423A-87EF-BC556594D3EF}" srcOrd="0" destOrd="0" presId="urn:microsoft.com/office/officeart/2005/8/layout/hierarchy2"/>
-    <dgm:cxn modelId="{E8F53FA7-D825-428D-8553-42B6FEE77AC0}" type="presOf" srcId="{511B9211-7CF7-40A5-B24D-0330CFA8451C}" destId="{A925ABAB-5551-4276-B4F5-FB0518433BD1}" srcOrd="0" destOrd="0" presId="urn:microsoft.com/office/officeart/2005/8/layout/hierarchy2"/>
-    <dgm:cxn modelId="{A67D5649-CBCE-42B4-84DB-BD4B0F4E2AC8}" srcId="{97A51A2F-3450-46B1-94CB-FA5631D75A26}" destId="{D7D21A25-7E79-4262-8F3C-A97FE746E912}" srcOrd="1" destOrd="0" parTransId="{E0732633-28D4-4B5D-B7B0-1EE68D9765BF}" sibTransId="{70C99901-D494-4CD3-AF94-8C6BAB85432F}"/>
-    <dgm:cxn modelId="{BBFF1C79-6A4E-42E6-970A-2B772689471A}" type="presOf" srcId="{ED6EE5FA-7874-4762-82FD-B093244841A0}" destId="{D2489D06-C195-49BD-B9F1-C04836B08E8B}" srcOrd="1" destOrd="0" presId="urn:microsoft.com/office/officeart/2005/8/layout/hierarchy2"/>
-    <dgm:cxn modelId="{89BFC673-DCF7-4D03-997B-44306B6199F5}" type="presOf" srcId="{DBC10BFB-05D6-461F-8C08-A9557472DF60}" destId="{4F5D9800-53D7-4B75-962E-938F279A587B}" srcOrd="1" destOrd="0" presId="urn:microsoft.com/office/officeart/2005/8/layout/hierarchy2"/>
-    <dgm:cxn modelId="{52F88195-7B8A-43DD-9809-DC4231D5DB26}" type="presOf" srcId="{43B50801-44D3-42F0-87B1-E9358162AD33}" destId="{52548338-37ED-4616-A3D5-5AA3AC98F62C}" srcOrd="0" destOrd="0" presId="urn:microsoft.com/office/officeart/2005/8/layout/hierarchy2"/>
-    <dgm:cxn modelId="{8E837A48-1A08-4567-A34D-E73586E9F8E0}" type="presOf" srcId="{9771D909-D948-40E7-84FC-F98E653B8ABB}" destId="{1569AD5E-BC5C-4C51-A9F5-51D20FE31065}" srcOrd="0" destOrd="0" presId="urn:microsoft.com/office/officeart/2005/8/layout/hierarchy2"/>
-    <dgm:cxn modelId="{7558D7E4-3991-41C3-ABE9-CC1C7875BA16}" type="presOf" srcId="{7A823E35-7131-4D2B-B04C-15EDA22B1637}" destId="{DDCCEBB5-C8E8-4433-9FD7-E8C381258383}" srcOrd="0" destOrd="0" presId="urn:microsoft.com/office/officeart/2005/8/layout/hierarchy2"/>
-    <dgm:cxn modelId="{4466D469-85DF-46F2-9DC3-FD717FE024AE}" type="presOf" srcId="{8D67FF85-84D5-4F17-8DEF-333D21E5BDB9}" destId="{385A4BE9-2D53-44F2-BD00-8AB7208563CF}" srcOrd="0" destOrd="0" presId="urn:microsoft.com/office/officeart/2005/8/layout/hierarchy2"/>
-    <dgm:cxn modelId="{E0037D9B-DE38-49B8-A257-3A435D1B9A03}" srcId="{8D67FF85-84D5-4F17-8DEF-333D21E5BDB9}" destId="{44D98EDB-D784-48E0-9ECC-E9EC1037C1FA}" srcOrd="0" destOrd="0" parTransId="{DD49092B-87DB-4779-8307-18CAD2EE8FDB}" sibTransId="{A69E496F-AC45-4006-8457-A9B4094D3DA6}"/>
-    <dgm:cxn modelId="{3FC77C9D-2032-4814-8B92-81BF2CABDDC0}" type="presOf" srcId="{D6BFB5A9-5B44-45AD-BF51-227DD81EE950}" destId="{E8E3299E-79C0-4468-90F3-00065A37A0FB}" srcOrd="0" destOrd="0" presId="urn:microsoft.com/office/officeart/2005/8/layout/hierarchy2"/>
-    <dgm:cxn modelId="{1BB97270-8749-49D1-9434-F5DBAA97FBC4}" srcId="{9C2B612F-FB09-488B-A3B7-B71DA3BE2ACB}" destId="{F4AC5F59-EB53-430B-9F77-3A814F29780F}" srcOrd="2" destOrd="0" parTransId="{EC15F3AE-7673-47CE-9FA3-41C5C62C0D63}" sibTransId="{591F369E-DA4E-405B-8221-6361A6D460DA}"/>
+    <dgm:cxn modelId="{5668FE36-547A-4587-A809-B97426C05728}" srcId="{9C2B612F-FB09-488B-A3B7-B71DA3BE2ACB}" destId="{E14F93EE-2A22-4ED5-A73A-354C89B1737E}" srcOrd="1" destOrd="0" parTransId="{DBC10BFB-05D6-461F-8C08-A9557472DF60}" sibTransId="{760F0364-9349-4492-90AE-FF02EB1F6DBE}"/>
+    <dgm:cxn modelId="{64545BE2-F417-4494-928D-E43B6D9C8F5C}" srcId="{9C2B612F-FB09-488B-A3B7-B71DA3BE2ACB}" destId="{245AF52E-327D-4440-AE19-BFF65386AB99}" srcOrd="3" destOrd="0" parTransId="{08FBA928-62F5-4410-9354-29BF98BADE0B}" sibTransId="{7ED6D917-A0D7-4A98-8E1B-98E3DD5AC05A}"/>
     <dgm:cxn modelId="{73B93B58-3889-462E-B421-4796AEDCCA87}" type="presOf" srcId="{D6BFB5A9-5B44-45AD-BF51-227DD81EE950}" destId="{FC6090FB-27B1-4205-A7BA-E698EC07FD90}" srcOrd="1" destOrd="0" presId="urn:microsoft.com/office/officeart/2005/8/layout/hierarchy2"/>
-    <dgm:cxn modelId="{B6D9DA12-80A1-4894-83FF-5451A0E3CE25}" type="presOf" srcId="{7A823E35-7131-4D2B-B04C-15EDA22B1637}" destId="{4A9A711B-9B93-44A1-9CEF-D106E7E5E770}" srcOrd="1" destOrd="0" presId="urn:microsoft.com/office/officeart/2005/8/layout/hierarchy2"/>
-    <dgm:cxn modelId="{7EB029E2-DAE1-437D-8BE2-F2739A4E872B}" type="presOf" srcId="{43B50801-44D3-42F0-87B1-E9358162AD33}" destId="{85D763CC-22C3-4148-AED8-0D137859F749}" srcOrd="1" destOrd="0" presId="urn:microsoft.com/office/officeart/2005/8/layout/hierarchy2"/>
-    <dgm:cxn modelId="{B489705A-1DBF-42EE-83F1-3EC7E3D3CD9B}" type="presOf" srcId="{F4AC5F59-EB53-430B-9F77-3A814F29780F}" destId="{597B3098-5A0B-45BE-9F4E-4CC56BD52CF6}" srcOrd="0" destOrd="0" presId="urn:microsoft.com/office/officeart/2005/8/layout/hierarchy2"/>
-    <dgm:cxn modelId="{A6C243F2-F94E-45F3-9C9A-BE77D1D2FBD0}" type="presOf" srcId="{771FDDEC-DD4B-4C91-BC77-7705B79980FE}" destId="{C3B55739-5D79-467F-B92C-38ECBDDBAB31}" srcOrd="0" destOrd="0" presId="urn:microsoft.com/office/officeart/2005/8/layout/hierarchy2"/>
-    <dgm:cxn modelId="{8B108328-980E-4A4A-81C6-D0A64812A992}" type="presOf" srcId="{F59CEC0A-3DC7-43CF-A544-AA02B337ADA5}" destId="{EA61CE70-98E8-4DDF-88FA-268FA2D4C312}" srcOrd="0" destOrd="0" presId="urn:microsoft.com/office/officeart/2005/8/layout/hierarchy2"/>
     <dgm:cxn modelId="{DFDB5225-83C9-4584-AEE3-A57629D160FA}" type="presParOf" srcId="{385A4BE9-2D53-44F2-BD00-8AB7208563CF}" destId="{51FB7A6F-FD52-4A50-BB1F-A190052DD872}" srcOrd="0" destOrd="0" presId="urn:microsoft.com/office/officeart/2005/8/layout/hierarchy2"/>
     <dgm:cxn modelId="{AB397C7D-F6EB-4342-AC2D-C297F5A27427}" type="presParOf" srcId="{51FB7A6F-FD52-4A50-BB1F-A190052DD872}" destId="{7B1ED7AD-5691-45B8-9B15-42D83FD42966}" srcOrd="0" destOrd="0" presId="urn:microsoft.com/office/officeart/2005/8/layout/hierarchy2"/>
     <dgm:cxn modelId="{380373B6-CC8A-4D7C-84A5-0B1FC7F1F44C}" type="presParOf" srcId="{51FB7A6F-FD52-4A50-BB1F-A190052DD872}" destId="{84B4D509-C5CF-4081-B313-7A5399C33EF4}" srcOrd="1" destOrd="0" presId="urn:microsoft.com/office/officeart/2005/8/layout/hierarchy2"/>
@@ -7673,7 +7673,7 @@
           <a:p>
             <a:fld id="{504798D2-F06F-47C9-AF30-74812A3FE09B}" type="datetimeFigureOut">
               <a:rPr lang="ko-KR" altLang="en-US" smtClean="0"/>
-              <a:t>2017-09-15</a:t>
+              <a:t>2017-09-18</a:t>
             </a:fld>
             <a:endParaRPr lang="ko-KR" altLang="en-US"/>
           </a:p>
@@ -7843,7 +7843,7 @@
           <a:p>
             <a:fld id="{504798D2-F06F-47C9-AF30-74812A3FE09B}" type="datetimeFigureOut">
               <a:rPr lang="ko-KR" altLang="en-US" smtClean="0"/>
-              <a:t>2017-09-15</a:t>
+              <a:t>2017-09-18</a:t>
             </a:fld>
             <a:endParaRPr lang="ko-KR" altLang="en-US"/>
           </a:p>
@@ -8023,7 +8023,7 @@
           <a:p>
             <a:fld id="{504798D2-F06F-47C9-AF30-74812A3FE09B}" type="datetimeFigureOut">
               <a:rPr lang="ko-KR" altLang="en-US" smtClean="0"/>
-              <a:t>2017-09-15</a:t>
+              <a:t>2017-09-18</a:t>
             </a:fld>
             <a:endParaRPr lang="ko-KR" altLang="en-US"/>
           </a:p>
@@ -8193,7 +8193,7 @@
           <a:p>
             <a:fld id="{504798D2-F06F-47C9-AF30-74812A3FE09B}" type="datetimeFigureOut">
               <a:rPr lang="ko-KR" altLang="en-US" smtClean="0"/>
-              <a:t>2017-09-15</a:t>
+              <a:t>2017-09-18</a:t>
             </a:fld>
             <a:endParaRPr lang="ko-KR" altLang="en-US"/>
           </a:p>
@@ -8439,7 +8439,7 @@
           <a:p>
             <a:fld id="{504798D2-F06F-47C9-AF30-74812A3FE09B}" type="datetimeFigureOut">
               <a:rPr lang="ko-KR" altLang="en-US" smtClean="0"/>
-              <a:t>2017-09-15</a:t>
+              <a:t>2017-09-18</a:t>
             </a:fld>
             <a:endParaRPr lang="ko-KR" altLang="en-US"/>
           </a:p>
@@ -8727,7 +8727,7 @@
           <a:p>
             <a:fld id="{504798D2-F06F-47C9-AF30-74812A3FE09B}" type="datetimeFigureOut">
               <a:rPr lang="ko-KR" altLang="en-US" smtClean="0"/>
-              <a:t>2017-09-15</a:t>
+              <a:t>2017-09-18</a:t>
             </a:fld>
             <a:endParaRPr lang="ko-KR" altLang="en-US"/>
           </a:p>
@@ -9149,7 +9149,7 @@
           <a:p>
             <a:fld id="{504798D2-F06F-47C9-AF30-74812A3FE09B}" type="datetimeFigureOut">
               <a:rPr lang="ko-KR" altLang="en-US" smtClean="0"/>
-              <a:t>2017-09-15</a:t>
+              <a:t>2017-09-18</a:t>
             </a:fld>
             <a:endParaRPr lang="ko-KR" altLang="en-US"/>
           </a:p>
@@ -9267,7 +9267,7 @@
           <a:p>
             <a:fld id="{504798D2-F06F-47C9-AF30-74812A3FE09B}" type="datetimeFigureOut">
               <a:rPr lang="ko-KR" altLang="en-US" smtClean="0"/>
-              <a:t>2017-09-15</a:t>
+              <a:t>2017-09-18</a:t>
             </a:fld>
             <a:endParaRPr lang="ko-KR" altLang="en-US"/>
           </a:p>
@@ -9362,7 +9362,7 @@
           <a:p>
             <a:fld id="{504798D2-F06F-47C9-AF30-74812A3FE09B}" type="datetimeFigureOut">
               <a:rPr lang="ko-KR" altLang="en-US" smtClean="0"/>
-              <a:t>2017-09-15</a:t>
+              <a:t>2017-09-18</a:t>
             </a:fld>
             <a:endParaRPr lang="ko-KR" altLang="en-US"/>
           </a:p>
@@ -9639,7 +9639,7 @@
           <a:p>
             <a:fld id="{504798D2-F06F-47C9-AF30-74812A3FE09B}" type="datetimeFigureOut">
               <a:rPr lang="ko-KR" altLang="en-US" smtClean="0"/>
-              <a:t>2017-09-15</a:t>
+              <a:t>2017-09-18</a:t>
             </a:fld>
             <a:endParaRPr lang="ko-KR" altLang="en-US"/>
           </a:p>
@@ -9892,7 +9892,7 @@
           <a:p>
             <a:fld id="{504798D2-F06F-47C9-AF30-74812A3FE09B}" type="datetimeFigureOut">
               <a:rPr lang="ko-KR" altLang="en-US" smtClean="0"/>
-              <a:t>2017-09-15</a:t>
+              <a:t>2017-09-18</a:t>
             </a:fld>
             <a:endParaRPr lang="ko-KR" altLang="en-US"/>
           </a:p>
@@ -10105,7 +10105,7 @@
           <a:p>
             <a:fld id="{504798D2-F06F-47C9-AF30-74812A3FE09B}" type="datetimeFigureOut">
               <a:rPr lang="ko-KR" altLang="en-US" smtClean="0"/>
-              <a:t>2017-09-15</a:t>
+              <a:t>2017-09-18</a:t>
             </a:fld>
             <a:endParaRPr lang="ko-KR" altLang="en-US"/>
           </a:p>
@@ -10571,8 +10571,8 @@
         </p:nvSpPr>
         <p:spPr>
           <a:xfrm>
-            <a:off x="2699792" y="2348880"/>
-            <a:ext cx="3816424" cy="830997"/>
+            <a:off x="1907704" y="2204864"/>
+            <a:ext cx="5328592" cy="830997"/>
           </a:xfrm>
           <a:prstGeom prst="rect">
             <a:avLst/>
@@ -10587,9 +10587,51 @@
           <a:p>
             <a:r>
               <a:rPr lang="ko-KR" altLang="en-US" sz="4800" dirty="0" smtClean="0"/>
-              <a:t>평생 학습관</a:t>
+              <a:t>칼 </a:t>
+            </a:r>
+            <a:r>
+              <a:rPr lang="ko-KR" altLang="en-US" sz="4800" dirty="0" err="1" smtClean="0"/>
+              <a:t>퇴</a:t>
+            </a:r>
+            <a:r>
+              <a:rPr lang="ko-KR" altLang="en-US" sz="4800" dirty="0" smtClean="0"/>
+              <a:t> 평생 </a:t>
+            </a:r>
+            <a:r>
+              <a:rPr lang="ko-KR" altLang="en-US" sz="4800" dirty="0" smtClean="0"/>
+              <a:t>학습관</a:t>
             </a:r>
             <a:endParaRPr lang="ko-KR" altLang="en-US" sz="4800" dirty="0"/>
+          </a:p>
+        </p:txBody>
+      </p:sp>
+      <p:sp>
+        <p:nvSpPr>
+          <p:cNvPr id="2" name="TextBox 1"/>
+          <p:cNvSpPr txBox="1"/>
+          <p:nvPr/>
+        </p:nvSpPr>
+        <p:spPr>
+          <a:xfrm>
+            <a:off x="4767953" y="4047619"/>
+            <a:ext cx="2520280" cy="523220"/>
+          </a:xfrm>
+          <a:prstGeom prst="rect">
+            <a:avLst/>
+          </a:prstGeom>
+          <a:noFill/>
+        </p:spPr>
+        <p:txBody>
+          <a:bodyPr wrap="square" rtlCol="0">
+            <a:spAutoFit/>
+          </a:bodyPr>
+          <a:lstStyle/>
+          <a:p>
+            <a:r>
+              <a:rPr lang="ko-KR" altLang="en-US" sz="2800" dirty="0" smtClean="0"/>
+              <a:t>오주석 김창욱</a:t>
+            </a:r>
+            <a:endParaRPr lang="ko-KR" altLang="en-US" sz="2800" dirty="0"/>
           </a:p>
         </p:txBody>
       </p:sp>
